--- a/Presentation/Simple AI-Pro.pptx
+++ b/Presentation/Simple AI-Pro.pptx
@@ -769,6 +769,7 @@
             <c:showLeaderLines val="0"/>
             <c:extLst>
               <c:ext xmlns:c15="http://schemas.microsoft.com/office/drawing/2012/chart" uri="{CE6537A1-D6FC-4f65-9D91-7224C49458BB}">
+                <c15:layout/>
                 <c15:showLeaderLines val="1"/>
                 <c15:leaderLines>
                   <c:spPr>
@@ -864,6 +865,7 @@
             <c:showLeaderLines val="0"/>
             <c:extLst>
               <c:ext xmlns:c15="http://schemas.microsoft.com/office/drawing/2012/chart" uri="{CE6537A1-D6FC-4f65-9D91-7224C49458BB}">
+                <c15:layout/>
                 <c15:showLeaderLines val="1"/>
                 <c15:leaderLines>
                   <c:spPr>
@@ -1208,6 +1210,7 @@
             <c:showLeaderLines val="0"/>
             <c:extLst>
               <c:ext xmlns:c15="http://schemas.microsoft.com/office/drawing/2012/chart" uri="{CE6537A1-D6FC-4f65-9D91-7224C49458BB}">
+                <c15:layout/>
                 <c15:showLeaderLines val="1"/>
                 <c15:leaderLines>
                   <c:spPr>
@@ -1312,6 +1315,7 @@
             <c:showLeaderLines val="0"/>
             <c:extLst>
               <c:ext xmlns:c15="http://schemas.microsoft.com/office/drawing/2012/chart" uri="{CE6537A1-D6FC-4f65-9D91-7224C49458BB}">
+                <c15:layout/>
                 <c15:showLeaderLines val="1"/>
                 <c15:leaderLines>
                   <c:spPr>
@@ -1471,6 +1475,7 @@
               </a:p>
             </c:rich>
           </c:tx>
+          <c:layout/>
           <c:overlay val="0"/>
           <c:spPr>
             <a:noFill/>
@@ -7638,7 +7643,7 @@
         </p:nvSpPr>
         <p:spPr>
           <a:xfrm>
-            <a:off x="506502" y="741862"/>
+            <a:off x="879989" y="300326"/>
             <a:ext cx="6008599" cy="1832825"/>
           </a:xfrm>
         </p:spPr>
@@ -7697,7 +7702,7 @@
         <p:spPr>
           <a:xfrm>
             <a:off x="1612811" y="4480288"/>
-            <a:ext cx="9144000" cy="1085872"/>
+            <a:ext cx="9144000" cy="1534146"/>
           </a:xfrm>
         </p:spPr>
         <p:txBody>
@@ -7718,9 +7723,29 @@
               <a:rPr lang="es-CO" sz="2800" b="1" dirty="0" smtClean="0">
                 <a:latin typeface="Bell MT" panose="02020503060305020303" pitchFamily="18" charset="0"/>
               </a:rPr>
-              <a:t>Jesús Solano</a:t>
-            </a:r>
-            <a:endParaRPr lang="es-CO" sz="2800" b="1" dirty="0">
+              <a:t>Jesús </a:t>
+            </a:r>
+            <a:r>
+              <a:rPr lang="es-CO" sz="2800" b="1" dirty="0" smtClean="0">
+                <a:latin typeface="Bell MT" panose="02020503060305020303" pitchFamily="18" charset="0"/>
+              </a:rPr>
+              <a:t>Solano</a:t>
+            </a:r>
+          </a:p>
+          <a:p>
+            <a:r>
+              <a:rPr lang="es-CO" sz="2300" dirty="0" err="1" smtClean="0">
+                <a:latin typeface="Bell MT" panose="02020503060305020303" pitchFamily="18" charset="0"/>
+              </a:rPr>
+              <a:t>July</a:t>
+            </a:r>
+            <a:r>
+              <a:rPr lang="es-CO" sz="2300" dirty="0" smtClean="0">
+                <a:latin typeface="Bell MT" panose="02020503060305020303" pitchFamily="18" charset="0"/>
+              </a:rPr>
+              <a:t> 2018 </a:t>
+            </a:r>
+            <a:endParaRPr lang="es-CO" sz="2300" dirty="0">
               <a:latin typeface="Bell MT" panose="02020503060305020303" pitchFamily="18" charset="0"/>
             </a:endParaRPr>
           </a:p>
@@ -7793,16 +7818,16 @@
           <a:lstStyle/>
           <a:p>
             <a:r>
-              <a:rPr lang="es-CO" dirty="0" smtClean="0">
+              <a:rPr lang="es-CO" b="1" dirty="0" smtClean="0">
                 <a:solidFill>
-                  <a:schemeClr val="tx1"/>
+                  <a:schemeClr val="bg1"/>
                 </a:solidFill>
               </a:rPr>
               <a:t>Simple AI </a:t>
             </a:r>
-            <a:endParaRPr lang="es-CO" dirty="0">
+            <a:endParaRPr lang="es-CO" b="1" dirty="0">
               <a:solidFill>
-                <a:schemeClr val="tx1"/>
+                <a:schemeClr val="bg1"/>
               </a:solidFill>
             </a:endParaRPr>
           </a:p>
@@ -7824,16 +7849,16 @@
           <a:lstStyle/>
           <a:p>
             <a:fld id="{6498F071-8424-4781-A5AA-387FBEE54CF5}" type="slidenum">
-              <a:rPr lang="es-CO" smtClean="0">
+              <a:rPr lang="es-CO" b="1" smtClean="0">
                 <a:solidFill>
-                  <a:schemeClr val="tx1"/>
+                  <a:schemeClr val="bg1"/>
                 </a:solidFill>
               </a:rPr>
               <a:t>1</a:t>
             </a:fld>
-            <a:endParaRPr lang="es-CO" dirty="0">
+            <a:endParaRPr lang="es-CO" b="1" dirty="0">
               <a:solidFill>
-                <a:schemeClr val="tx1"/>
+                <a:schemeClr val="bg1"/>
               </a:solidFill>
             </a:endParaRPr>
           </a:p>
@@ -7894,7 +7919,7 @@
         </p:nvPicPr>
         <p:blipFill rotWithShape="1">
           <a:blip r:embed="rId3">
-            <a:biLevel thresh="50000"/>
+            <a:biLevel thresh="25000"/>
             <a:extLst>
               <a:ext uri="{28A0092B-C50C-407E-A947-70E740481C1C}">
                 <a14:useLocalDpi xmlns:a14="http://schemas.microsoft.com/office/drawing/2010/main" val="0"/>
@@ -7965,6 +7990,245 @@
           </a:ln>
         </p:spPr>
       </p:pic>
+      <p:sp>
+        <p:nvSpPr>
+          <p:cNvPr id="12" name="Subtítulo 2"/>
+          <p:cNvSpPr txBox="1">
+            <a:spLocks/>
+          </p:cNvSpPr>
+          <p:nvPr/>
+        </p:nvSpPr>
+        <p:spPr>
+          <a:xfrm>
+            <a:off x="-687712" y="2447581"/>
+            <a:ext cx="9144000" cy="719759"/>
+          </a:xfrm>
+          <a:prstGeom prst="rect">
+            <a:avLst/>
+          </a:prstGeom>
+        </p:spPr>
+        <p:txBody>
+          <a:bodyPr vert="horz" lIns="91440" tIns="45720" rIns="91440" bIns="45720" rtlCol="0">
+            <a:normAutofit fontScale="77500" lnSpcReduction="20000"/>
+          </a:bodyPr>
+          <a:lstStyle>
+            <a:lvl1pPr marL="0" indent="0" algn="ctr" defTabSz="914400" rtl="0" eaLnBrk="1" latinLnBrk="0" hangingPunct="1">
+              <a:lnSpc>
+                <a:spcPct val="90000"/>
+              </a:lnSpc>
+              <a:spcBef>
+                <a:spcPts val="1000"/>
+              </a:spcBef>
+              <a:buFont typeface="Arial" panose="020B0604020202020204" pitchFamily="34" charset="0"/>
+              <a:buNone/>
+              <a:defRPr sz="2400" kern="1200">
+                <a:solidFill>
+                  <a:schemeClr val="tx1"/>
+                </a:solidFill>
+                <a:latin typeface="+mn-lt"/>
+                <a:ea typeface="+mn-ea"/>
+                <a:cs typeface="+mn-cs"/>
+              </a:defRPr>
+            </a:lvl1pPr>
+            <a:lvl2pPr marL="457200" indent="0" algn="ctr" defTabSz="914400" rtl="0" eaLnBrk="1" latinLnBrk="0" hangingPunct="1">
+              <a:lnSpc>
+                <a:spcPct val="90000"/>
+              </a:lnSpc>
+              <a:spcBef>
+                <a:spcPts val="500"/>
+              </a:spcBef>
+              <a:buFont typeface="Arial" panose="020B0604020202020204" pitchFamily="34" charset="0"/>
+              <a:buNone/>
+              <a:defRPr sz="2000" kern="1200">
+                <a:solidFill>
+                  <a:schemeClr val="tx1"/>
+                </a:solidFill>
+                <a:latin typeface="+mn-lt"/>
+                <a:ea typeface="+mn-ea"/>
+                <a:cs typeface="+mn-cs"/>
+              </a:defRPr>
+            </a:lvl2pPr>
+            <a:lvl3pPr marL="914400" indent="0" algn="ctr" defTabSz="914400" rtl="0" eaLnBrk="1" latinLnBrk="0" hangingPunct="1">
+              <a:lnSpc>
+                <a:spcPct val="90000"/>
+              </a:lnSpc>
+              <a:spcBef>
+                <a:spcPts val="500"/>
+              </a:spcBef>
+              <a:buFont typeface="Arial" panose="020B0604020202020204" pitchFamily="34" charset="0"/>
+              <a:buNone/>
+              <a:defRPr sz="1800" kern="1200">
+                <a:solidFill>
+                  <a:schemeClr val="tx1"/>
+                </a:solidFill>
+                <a:latin typeface="+mn-lt"/>
+                <a:ea typeface="+mn-ea"/>
+                <a:cs typeface="+mn-cs"/>
+              </a:defRPr>
+            </a:lvl3pPr>
+            <a:lvl4pPr marL="1371600" indent="0" algn="ctr" defTabSz="914400" rtl="0" eaLnBrk="1" latinLnBrk="0" hangingPunct="1">
+              <a:lnSpc>
+                <a:spcPct val="90000"/>
+              </a:lnSpc>
+              <a:spcBef>
+                <a:spcPts val="500"/>
+              </a:spcBef>
+              <a:buFont typeface="Arial" panose="020B0604020202020204" pitchFamily="34" charset="0"/>
+              <a:buNone/>
+              <a:defRPr sz="1600" kern="1200">
+                <a:solidFill>
+                  <a:schemeClr val="tx1"/>
+                </a:solidFill>
+                <a:latin typeface="+mn-lt"/>
+                <a:ea typeface="+mn-ea"/>
+                <a:cs typeface="+mn-cs"/>
+              </a:defRPr>
+            </a:lvl4pPr>
+            <a:lvl5pPr marL="1828800" indent="0" algn="ctr" defTabSz="914400" rtl="0" eaLnBrk="1" latinLnBrk="0" hangingPunct="1">
+              <a:lnSpc>
+                <a:spcPct val="90000"/>
+              </a:lnSpc>
+              <a:spcBef>
+                <a:spcPts val="500"/>
+              </a:spcBef>
+              <a:buFont typeface="Arial" panose="020B0604020202020204" pitchFamily="34" charset="0"/>
+              <a:buNone/>
+              <a:defRPr sz="1600" kern="1200">
+                <a:solidFill>
+                  <a:schemeClr val="tx1"/>
+                </a:solidFill>
+                <a:latin typeface="+mn-lt"/>
+                <a:ea typeface="+mn-ea"/>
+                <a:cs typeface="+mn-cs"/>
+              </a:defRPr>
+            </a:lvl5pPr>
+            <a:lvl6pPr marL="2286000" indent="0" algn="ctr" defTabSz="914400" rtl="0" eaLnBrk="1" latinLnBrk="0" hangingPunct="1">
+              <a:lnSpc>
+                <a:spcPct val="90000"/>
+              </a:lnSpc>
+              <a:spcBef>
+                <a:spcPts val="500"/>
+              </a:spcBef>
+              <a:buFont typeface="Arial" panose="020B0604020202020204" pitchFamily="34" charset="0"/>
+              <a:buNone/>
+              <a:defRPr sz="1600" kern="1200">
+                <a:solidFill>
+                  <a:schemeClr val="tx1"/>
+                </a:solidFill>
+                <a:latin typeface="+mn-lt"/>
+                <a:ea typeface="+mn-ea"/>
+                <a:cs typeface="+mn-cs"/>
+              </a:defRPr>
+            </a:lvl6pPr>
+            <a:lvl7pPr marL="2743200" indent="0" algn="ctr" defTabSz="914400" rtl="0" eaLnBrk="1" latinLnBrk="0" hangingPunct="1">
+              <a:lnSpc>
+                <a:spcPct val="90000"/>
+              </a:lnSpc>
+              <a:spcBef>
+                <a:spcPts val="500"/>
+              </a:spcBef>
+              <a:buFont typeface="Arial" panose="020B0604020202020204" pitchFamily="34" charset="0"/>
+              <a:buNone/>
+              <a:defRPr sz="1600" kern="1200">
+                <a:solidFill>
+                  <a:schemeClr val="tx1"/>
+                </a:solidFill>
+                <a:latin typeface="+mn-lt"/>
+                <a:ea typeface="+mn-ea"/>
+                <a:cs typeface="+mn-cs"/>
+              </a:defRPr>
+            </a:lvl7pPr>
+            <a:lvl8pPr marL="3200400" indent="0" algn="ctr" defTabSz="914400" rtl="0" eaLnBrk="1" latinLnBrk="0" hangingPunct="1">
+              <a:lnSpc>
+                <a:spcPct val="90000"/>
+              </a:lnSpc>
+              <a:spcBef>
+                <a:spcPts val="500"/>
+              </a:spcBef>
+              <a:buFont typeface="Arial" panose="020B0604020202020204" pitchFamily="34" charset="0"/>
+              <a:buNone/>
+              <a:defRPr sz="1600" kern="1200">
+                <a:solidFill>
+                  <a:schemeClr val="tx1"/>
+                </a:solidFill>
+                <a:latin typeface="+mn-lt"/>
+                <a:ea typeface="+mn-ea"/>
+                <a:cs typeface="+mn-cs"/>
+              </a:defRPr>
+            </a:lvl8pPr>
+            <a:lvl9pPr marL="3657600" indent="0" algn="ctr" defTabSz="914400" rtl="0" eaLnBrk="1" latinLnBrk="0" hangingPunct="1">
+              <a:lnSpc>
+                <a:spcPct val="90000"/>
+              </a:lnSpc>
+              <a:spcBef>
+                <a:spcPts val="500"/>
+              </a:spcBef>
+              <a:buFont typeface="Arial" panose="020B0604020202020204" pitchFamily="34" charset="0"/>
+              <a:buNone/>
+              <a:defRPr sz="1600" kern="1200">
+                <a:solidFill>
+                  <a:schemeClr val="tx1"/>
+                </a:solidFill>
+                <a:latin typeface="+mn-lt"/>
+                <a:ea typeface="+mn-ea"/>
+                <a:cs typeface="+mn-cs"/>
+              </a:defRPr>
+            </a:lvl9pPr>
+          </a:lstStyle>
+          <a:p>
+            <a:r>
+              <a:rPr lang="es-CO" sz="3100" b="1" dirty="0" err="1" smtClean="0">
+                <a:latin typeface="Bell MT" panose="02020503060305020303" pitchFamily="18" charset="0"/>
+              </a:rPr>
+              <a:t>Movie</a:t>
+            </a:r>
+            <a:r>
+              <a:rPr lang="es-CO" sz="3100" b="1" dirty="0" smtClean="0">
+                <a:latin typeface="Bell MT" panose="02020503060305020303" pitchFamily="18" charset="0"/>
+              </a:rPr>
+              <a:t> </a:t>
+            </a:r>
+            <a:r>
+              <a:rPr lang="es-CO" sz="3100" b="1" dirty="0" err="1" smtClean="0">
+                <a:latin typeface="Bell MT" panose="02020503060305020303" pitchFamily="18" charset="0"/>
+              </a:rPr>
+              <a:t>Genre</a:t>
+            </a:r>
+            <a:r>
+              <a:rPr lang="es-CO" sz="3100" b="1" dirty="0" smtClean="0">
+                <a:latin typeface="Bell MT" panose="02020503060305020303" pitchFamily="18" charset="0"/>
+              </a:rPr>
+              <a:t> </a:t>
+            </a:r>
+            <a:r>
+              <a:rPr lang="es-CO" sz="3100" b="1" dirty="0" err="1" smtClean="0">
+                <a:latin typeface="Bell MT" panose="02020503060305020303" pitchFamily="18" charset="0"/>
+              </a:rPr>
+              <a:t>Classification</a:t>
+            </a:r>
+            <a:endParaRPr lang="es-CO" sz="3100" b="1" dirty="0" smtClean="0">
+              <a:latin typeface="Bell MT" panose="02020503060305020303" pitchFamily="18" charset="0"/>
+            </a:endParaRPr>
+          </a:p>
+          <a:p>
+            <a:r>
+              <a:rPr lang="es-CO" sz="2800" dirty="0" smtClean="0">
+                <a:latin typeface="Bell MT" panose="02020503060305020303" pitchFamily="18" charset="0"/>
+              </a:rPr>
+              <a:t>Deep </a:t>
+            </a:r>
+            <a:r>
+              <a:rPr lang="es-CO" sz="2800" dirty="0" err="1" smtClean="0">
+                <a:latin typeface="Bell MT" panose="02020503060305020303" pitchFamily="18" charset="0"/>
+              </a:rPr>
+              <a:t>Learning</a:t>
+            </a:r>
+            <a:endParaRPr lang="es-CO" sz="2800" dirty="0" smtClean="0">
+              <a:latin typeface="Bell MT" panose="02020503060305020303" pitchFamily="18" charset="0"/>
+            </a:endParaRPr>
+          </a:p>
+        </p:txBody>
+      </p:sp>
     </p:spTree>
     <p:extLst>
       <p:ext uri="{BB962C8B-B14F-4D97-AF65-F5344CB8AC3E}">
@@ -8063,68 +8327,6 @@
       </p:sp>
       <p:sp>
         <p:nvSpPr>
-          <p:cNvPr id="6" name="Marcador de pie de página 5"/>
-          <p:cNvSpPr>
-            <a:spLocks noGrp="1"/>
-          </p:cNvSpPr>
-          <p:nvPr>
-            <p:ph type="ftr" sz="quarter" idx="11"/>
-          </p:nvPr>
-        </p:nvSpPr>
-        <p:spPr/>
-        <p:txBody>
-          <a:bodyPr/>
-          <a:lstStyle/>
-          <a:p>
-            <a:r>
-              <a:rPr lang="es-CO" b="1" dirty="0" smtClean="0">
-                <a:solidFill>
-                  <a:schemeClr val="tx1"/>
-                </a:solidFill>
-              </a:rPr>
-              <a:t>Simple AI </a:t>
-            </a:r>
-            <a:endParaRPr lang="es-CO" b="1" dirty="0">
-              <a:solidFill>
-                <a:schemeClr val="tx1"/>
-              </a:solidFill>
-            </a:endParaRPr>
-          </a:p>
-        </p:txBody>
-      </p:sp>
-      <p:sp>
-        <p:nvSpPr>
-          <p:cNvPr id="7" name="Marcador de número de diapositiva 6"/>
-          <p:cNvSpPr>
-            <a:spLocks noGrp="1"/>
-          </p:cNvSpPr>
-          <p:nvPr>
-            <p:ph type="sldNum" sz="quarter" idx="12"/>
-          </p:nvPr>
-        </p:nvSpPr>
-        <p:spPr/>
-        <p:txBody>
-          <a:bodyPr/>
-          <a:lstStyle/>
-          <a:p>
-            <a:fld id="{6498F071-8424-4781-A5AA-387FBEE54CF5}" type="slidenum">
-              <a:rPr lang="es-CO" b="1" smtClean="0">
-                <a:solidFill>
-                  <a:schemeClr val="tx1"/>
-                </a:solidFill>
-              </a:rPr>
-              <a:t>2</a:t>
-            </a:fld>
-            <a:endParaRPr lang="es-CO" b="1">
-              <a:solidFill>
-                <a:schemeClr val="tx1"/>
-              </a:solidFill>
-            </a:endParaRPr>
-          </a:p>
-        </p:txBody>
-      </p:sp>
-      <p:sp>
-        <p:nvSpPr>
           <p:cNvPr id="10" name="Flecha derecha 9"/>
           <p:cNvSpPr/>
           <p:nvPr/>
@@ -8168,46 +8370,6 @@
           </a:p>
         </p:txBody>
       </p:sp>
-      <p:pic>
-        <p:nvPicPr>
-          <p:cNvPr id="1034" name="Picture 10" descr="Resultado de imagen para universidad de los andes logo"/>
-          <p:cNvPicPr>
-            <a:picLocks noChangeAspect="1" noChangeArrowheads="1"/>
-          </p:cNvPicPr>
-          <p:nvPr/>
-        </p:nvPicPr>
-        <p:blipFill rotWithShape="1">
-          <a:blip r:embed="rId3">
-            <a:biLevel thresh="50000"/>
-            <a:extLst>
-              <a:ext uri="{28A0092B-C50C-407E-A947-70E740481C1C}">
-                <a14:useLocalDpi xmlns:a14="http://schemas.microsoft.com/office/drawing/2010/main" val="0"/>
-              </a:ext>
-            </a:extLst>
-          </a:blip>
-          <a:srcRect t="50095" b="10511"/>
-          <a:stretch/>
-        </p:blipFill>
-        <p:spPr bwMode="auto">
-          <a:xfrm>
-            <a:off x="419100" y="6303696"/>
-            <a:ext cx="1193711" cy="364069"/>
-          </a:xfrm>
-          <a:prstGeom prst="rect">
-            <a:avLst/>
-          </a:prstGeom>
-          <a:noFill/>
-          <a:extLst>
-            <a:ext uri="{909E8E84-426E-40DD-AFC4-6F175D3DCCD1}">
-              <a14:hiddenFill xmlns:a14="http://schemas.microsoft.com/office/drawing/2010/main">
-                <a:solidFill>
-                  <a:srgbClr val="FFFFFF"/>
-                </a:solidFill>
-              </a14:hiddenFill>
-            </a:ext>
-          </a:extLst>
-        </p:spPr>
-      </p:pic>
       <p:sp>
         <p:nvSpPr>
           <p:cNvPr id="2" name="Título 1"/>
@@ -8303,7 +8465,7 @@
           <p:nvPr/>
         </p:nvPicPr>
         <p:blipFill>
-          <a:blip r:embed="rId4" cstate="print">
+          <a:blip r:embed="rId3" cstate="print">
             <a:extLst>
               <a:ext uri="{28A0092B-C50C-407E-A947-70E740481C1C}">
                 <a14:useLocalDpi xmlns:a14="http://schemas.microsoft.com/office/drawing/2010/main" val="0"/>
@@ -8404,7 +8566,7 @@
         </p:xfrm>
         <a:graphic>
           <a:graphicData uri="http://schemas.openxmlformats.org/drawingml/2006/chart">
-            <c:chart xmlns:c="http://schemas.openxmlformats.org/drawingml/2006/chart" xmlns:r="http://schemas.openxmlformats.org/officeDocument/2006/relationships" r:id="rId5"/>
+            <c:chart xmlns:c="http://schemas.openxmlformats.org/drawingml/2006/chart" xmlns:r="http://schemas.openxmlformats.org/officeDocument/2006/relationships" r:id="rId4"/>
           </a:graphicData>
         </a:graphic>
       </p:graphicFrame>
@@ -8417,7 +8579,7 @@
           <p:nvPr/>
         </p:nvPicPr>
         <p:blipFill>
-          <a:blip r:embed="rId6">
+          <a:blip r:embed="rId5" cstate="print">
             <a:extLst>
               <a:ext uri="{28A0092B-C50C-407E-A947-70E740481C1C}">
                 <a14:useLocalDpi xmlns:a14="http://schemas.microsoft.com/office/drawing/2010/main" val="0"/>
@@ -8431,8 +8593,212 @@
         </p:blipFill>
         <p:spPr bwMode="auto">
           <a:xfrm>
-            <a:off x="7049292" y="1486629"/>
-            <a:ext cx="3589564" cy="4482990"/>
+            <a:off x="7960422" y="2887626"/>
+            <a:ext cx="2552283" cy="3187534"/>
+          </a:xfrm>
+          <a:prstGeom prst="rect">
+            <a:avLst/>
+          </a:prstGeom>
+          <a:noFill/>
+          <a:extLst>
+            <a:ext uri="{909E8E84-426E-40DD-AFC4-6F175D3DCCD1}">
+              <a14:hiddenFill xmlns:a14="http://schemas.microsoft.com/office/drawing/2010/main">
+                <a:solidFill>
+                  <a:srgbClr val="FFFFFF"/>
+                </a:solidFill>
+              </a14:hiddenFill>
+            </a:ext>
+          </a:extLst>
+        </p:spPr>
+      </p:pic>
+      <p:sp>
+        <p:nvSpPr>
+          <p:cNvPr id="13" name="Rectángulo 12"/>
+          <p:cNvSpPr/>
+          <p:nvPr/>
+        </p:nvSpPr>
+        <p:spPr>
+          <a:xfrm>
+            <a:off x="0" y="6249988"/>
+            <a:ext cx="12192000" cy="471487"/>
+          </a:xfrm>
+          <a:prstGeom prst="rect">
+            <a:avLst/>
+          </a:prstGeom>
+          <a:solidFill>
+            <a:schemeClr val="accent3">
+              <a:lumMod val="50000"/>
+            </a:schemeClr>
+          </a:solidFill>
+        </p:spPr>
+        <p:style>
+          <a:lnRef idx="2">
+            <a:schemeClr val="accent1">
+              <a:shade val="50000"/>
+            </a:schemeClr>
+          </a:lnRef>
+          <a:fillRef idx="1">
+            <a:schemeClr val="accent1"/>
+          </a:fillRef>
+          <a:effectRef idx="0">
+            <a:schemeClr val="accent1"/>
+          </a:effectRef>
+          <a:fontRef idx="minor">
+            <a:schemeClr val="lt1"/>
+          </a:fontRef>
+        </p:style>
+        <p:txBody>
+          <a:bodyPr rtlCol="0" anchor="ctr"/>
+          <a:lstStyle/>
+          <a:p>
+            <a:pPr algn="ctr"/>
+            <a:endParaRPr lang="es-CO">
+              <a:solidFill>
+                <a:schemeClr val="accent3">
+                  <a:lumMod val="50000"/>
+                </a:schemeClr>
+              </a:solidFill>
+            </a:endParaRPr>
+          </a:p>
+        </p:txBody>
+      </p:sp>
+      <p:sp>
+        <p:nvSpPr>
+          <p:cNvPr id="14" name="Marcador de pie de página 5"/>
+          <p:cNvSpPr>
+            <a:spLocks noGrp="1"/>
+          </p:cNvSpPr>
+          <p:nvPr>
+            <p:ph type="ftr" sz="quarter" idx="11"/>
+          </p:nvPr>
+        </p:nvSpPr>
+        <p:spPr>
+          <a:xfrm>
+            <a:off x="4038600" y="6356350"/>
+            <a:ext cx="4114800" cy="365125"/>
+          </a:xfrm>
+        </p:spPr>
+        <p:txBody>
+          <a:bodyPr/>
+          <a:lstStyle/>
+          <a:p>
+            <a:r>
+              <a:rPr lang="es-CO" b="1" dirty="0" smtClean="0">
+                <a:solidFill>
+                  <a:schemeClr val="bg1"/>
+                </a:solidFill>
+              </a:rPr>
+              <a:t>Simple AI </a:t>
+            </a:r>
+            <a:endParaRPr lang="es-CO" b="1" dirty="0">
+              <a:solidFill>
+                <a:schemeClr val="bg1"/>
+              </a:solidFill>
+            </a:endParaRPr>
+          </a:p>
+        </p:txBody>
+      </p:sp>
+      <p:sp>
+        <p:nvSpPr>
+          <p:cNvPr id="15" name="Marcador de número de diapositiva 6"/>
+          <p:cNvSpPr>
+            <a:spLocks noGrp="1"/>
+          </p:cNvSpPr>
+          <p:nvPr>
+            <p:ph type="sldNum" sz="quarter" idx="12"/>
+          </p:nvPr>
+        </p:nvSpPr>
+        <p:spPr>
+          <a:xfrm>
+            <a:off x="8610600" y="6356350"/>
+            <a:ext cx="2743200" cy="365125"/>
+          </a:xfrm>
+        </p:spPr>
+        <p:txBody>
+          <a:bodyPr/>
+          <a:lstStyle/>
+          <a:p>
+            <a:r>
+              <a:rPr lang="es-CO" b="1" dirty="0">
+                <a:solidFill>
+                  <a:schemeClr val="bg1"/>
+                </a:solidFill>
+              </a:rPr>
+              <a:t>2</a:t>
+            </a:r>
+            <a:endParaRPr lang="es-CO" b="1" dirty="0">
+              <a:solidFill>
+                <a:schemeClr val="bg1"/>
+              </a:solidFill>
+            </a:endParaRPr>
+          </a:p>
+        </p:txBody>
+      </p:sp>
+      <p:pic>
+        <p:nvPicPr>
+          <p:cNvPr id="16" name="Picture 10" descr="Resultado de imagen para universidad de los andes logo"/>
+          <p:cNvPicPr>
+            <a:picLocks noChangeAspect="1" noChangeArrowheads="1"/>
+          </p:cNvPicPr>
+          <p:nvPr/>
+        </p:nvPicPr>
+        <p:blipFill rotWithShape="1">
+          <a:blip r:embed="rId6">
+            <a:biLevel thresh="25000"/>
+            <a:extLst>
+              <a:ext uri="{28A0092B-C50C-407E-A947-70E740481C1C}">
+                <a14:useLocalDpi xmlns:a14="http://schemas.microsoft.com/office/drawing/2010/main" val="0"/>
+              </a:ext>
+            </a:extLst>
+          </a:blip>
+          <a:srcRect t="50095" b="10511"/>
+          <a:stretch/>
+        </p:blipFill>
+        <p:spPr bwMode="auto">
+          <a:xfrm>
+            <a:off x="419100" y="6303696"/>
+            <a:ext cx="1193711" cy="364069"/>
+          </a:xfrm>
+          <a:prstGeom prst="rect">
+            <a:avLst/>
+          </a:prstGeom>
+          <a:noFill/>
+          <a:extLst>
+            <a:ext uri="{909E8E84-426E-40DD-AFC4-6F175D3DCCD1}">
+              <a14:hiddenFill xmlns:a14="http://schemas.microsoft.com/office/drawing/2010/main">
+                <a:solidFill>
+                  <a:srgbClr val="FFFFFF"/>
+                </a:solidFill>
+              </a14:hiddenFill>
+            </a:ext>
+          </a:extLst>
+        </p:spPr>
+      </p:pic>
+      <p:pic>
+        <p:nvPicPr>
+          <p:cNvPr id="1026" name="Picture 2" descr="Resultado de imagen para vgg 16"/>
+          <p:cNvPicPr>
+            <a:picLocks noChangeAspect="1" noChangeArrowheads="1"/>
+          </p:cNvPicPr>
+          <p:nvPr/>
+        </p:nvPicPr>
+        <p:blipFill>
+          <a:blip r:embed="rId7" cstate="print">
+            <a:extLst>
+              <a:ext uri="{28A0092B-C50C-407E-A947-70E740481C1C}">
+                <a14:useLocalDpi xmlns:a14="http://schemas.microsoft.com/office/drawing/2010/main" val="0"/>
+              </a:ext>
+            </a:extLst>
+          </a:blip>
+          <a:srcRect/>
+          <a:stretch>
+            <a:fillRect/>
+          </a:stretch>
+        </p:blipFill>
+        <p:spPr bwMode="auto">
+          <a:xfrm>
+            <a:off x="6606862" y="1281612"/>
+            <a:ext cx="5443874" cy="1331899"/>
           </a:xfrm>
           <a:prstGeom prst="rect">
             <a:avLst/>
@@ -8496,117 +8862,6 @@
       </p:grpSpPr>
       <p:sp>
         <p:nvSpPr>
-          <p:cNvPr id="4" name="Rectángulo 3"/>
-          <p:cNvSpPr/>
-          <p:nvPr/>
-        </p:nvSpPr>
-        <p:spPr>
-          <a:xfrm>
-            <a:off x="0" y="6249988"/>
-            <a:ext cx="12192000" cy="471487"/>
-          </a:xfrm>
-          <a:prstGeom prst="rect">
-            <a:avLst/>
-          </a:prstGeom>
-          <a:solidFill>
-            <a:schemeClr val="accent3">
-              <a:lumMod val="50000"/>
-            </a:schemeClr>
-          </a:solidFill>
-        </p:spPr>
-        <p:style>
-          <a:lnRef idx="2">
-            <a:schemeClr val="accent1">
-              <a:shade val="50000"/>
-            </a:schemeClr>
-          </a:lnRef>
-          <a:fillRef idx="1">
-            <a:schemeClr val="accent1"/>
-          </a:fillRef>
-          <a:effectRef idx="0">
-            <a:schemeClr val="accent1"/>
-          </a:effectRef>
-          <a:fontRef idx="minor">
-            <a:schemeClr val="lt1"/>
-          </a:fontRef>
-        </p:style>
-        <p:txBody>
-          <a:bodyPr rtlCol="0" anchor="ctr"/>
-          <a:lstStyle/>
-          <a:p>
-            <a:pPr algn="ctr"/>
-            <a:endParaRPr lang="es-CO">
-              <a:solidFill>
-                <a:schemeClr val="tx1"/>
-              </a:solidFill>
-            </a:endParaRPr>
-          </a:p>
-        </p:txBody>
-      </p:sp>
-      <p:sp>
-        <p:nvSpPr>
-          <p:cNvPr id="6" name="Marcador de pie de página 5"/>
-          <p:cNvSpPr>
-            <a:spLocks noGrp="1"/>
-          </p:cNvSpPr>
-          <p:nvPr>
-            <p:ph type="ftr" sz="quarter" idx="11"/>
-          </p:nvPr>
-        </p:nvSpPr>
-        <p:spPr/>
-        <p:txBody>
-          <a:bodyPr/>
-          <a:lstStyle/>
-          <a:p>
-            <a:r>
-              <a:rPr lang="es-CO" b="1" dirty="0" smtClean="0">
-                <a:solidFill>
-                  <a:schemeClr val="tx1"/>
-                </a:solidFill>
-              </a:rPr>
-              <a:t>Simple AI </a:t>
-            </a:r>
-            <a:endParaRPr lang="es-CO" b="1" dirty="0">
-              <a:solidFill>
-                <a:schemeClr val="tx1"/>
-              </a:solidFill>
-            </a:endParaRPr>
-          </a:p>
-        </p:txBody>
-      </p:sp>
-      <p:sp>
-        <p:nvSpPr>
-          <p:cNvPr id="7" name="Marcador de número de diapositiva 6"/>
-          <p:cNvSpPr>
-            <a:spLocks noGrp="1"/>
-          </p:cNvSpPr>
-          <p:nvPr>
-            <p:ph type="sldNum" sz="quarter" idx="12"/>
-          </p:nvPr>
-        </p:nvSpPr>
-        <p:spPr/>
-        <p:txBody>
-          <a:bodyPr/>
-          <a:lstStyle/>
-          <a:p>
-            <a:fld id="{6498F071-8424-4781-A5AA-387FBEE54CF5}" type="slidenum">
-              <a:rPr lang="es-CO" b="1" smtClean="0">
-                <a:solidFill>
-                  <a:schemeClr val="tx1"/>
-                </a:solidFill>
-              </a:rPr>
-              <a:t>3</a:t>
-            </a:fld>
-            <a:endParaRPr lang="es-CO" b="1">
-              <a:solidFill>
-                <a:schemeClr val="tx1"/>
-              </a:solidFill>
-            </a:endParaRPr>
-          </a:p>
-        </p:txBody>
-      </p:sp>
-      <p:sp>
-        <p:nvSpPr>
           <p:cNvPr id="10" name="Flecha derecha 9"/>
           <p:cNvSpPr/>
           <p:nvPr/>
@@ -8650,46 +8905,6 @@
           </a:p>
         </p:txBody>
       </p:sp>
-      <p:pic>
-        <p:nvPicPr>
-          <p:cNvPr id="1034" name="Picture 10" descr="Resultado de imagen para universidad de los andes logo"/>
-          <p:cNvPicPr>
-            <a:picLocks noChangeAspect="1" noChangeArrowheads="1"/>
-          </p:cNvPicPr>
-          <p:nvPr/>
-        </p:nvPicPr>
-        <p:blipFill rotWithShape="1">
-          <a:blip r:embed="rId3">
-            <a:biLevel thresh="50000"/>
-            <a:extLst>
-              <a:ext uri="{28A0092B-C50C-407E-A947-70E740481C1C}">
-                <a14:useLocalDpi xmlns:a14="http://schemas.microsoft.com/office/drawing/2010/main" val="0"/>
-              </a:ext>
-            </a:extLst>
-          </a:blip>
-          <a:srcRect t="50095" b="10511"/>
-          <a:stretch/>
-        </p:blipFill>
-        <p:spPr bwMode="auto">
-          <a:xfrm>
-            <a:off x="419100" y="6303696"/>
-            <a:ext cx="1193711" cy="364069"/>
-          </a:xfrm>
-          <a:prstGeom prst="rect">
-            <a:avLst/>
-          </a:prstGeom>
-          <a:noFill/>
-          <a:extLst>
-            <a:ext uri="{909E8E84-426E-40DD-AFC4-6F175D3DCCD1}">
-              <a14:hiddenFill xmlns:a14="http://schemas.microsoft.com/office/drawing/2010/main">
-                <a:solidFill>
-                  <a:srgbClr val="FFFFFF"/>
-                </a:solidFill>
-              </a14:hiddenFill>
-            </a:ext>
-          </a:extLst>
-        </p:spPr>
-      </p:pic>
       <p:sp>
         <p:nvSpPr>
           <p:cNvPr id="2" name="Título 1"/>
@@ -8876,7 +9091,7 @@
         </p:xfrm>
         <a:graphic>
           <a:graphicData uri="http://schemas.openxmlformats.org/drawingml/2006/chart">
-            <c:chart xmlns:c="http://schemas.openxmlformats.org/drawingml/2006/chart" xmlns:r="http://schemas.openxmlformats.org/officeDocument/2006/relationships" r:id="rId4"/>
+            <c:chart xmlns:c="http://schemas.openxmlformats.org/drawingml/2006/chart" xmlns:r="http://schemas.openxmlformats.org/officeDocument/2006/relationships" r:id="rId3"/>
           </a:graphicData>
         </a:graphic>
       </p:graphicFrame>
@@ -8956,7 +9171,7 @@
           <p:nvPr/>
         </p:nvPicPr>
         <p:blipFill rotWithShape="1">
-          <a:blip r:embed="rId5">
+          <a:blip r:embed="rId4">
             <a:extLst>
               <a:ext uri="{28A0092B-C50C-407E-A947-70E740481C1C}">
                 <a14:useLocalDpi xmlns:a14="http://schemas.microsoft.com/office/drawing/2010/main" val="0"/>
@@ -8970,6 +9185,169 @@
           <a:xfrm>
             <a:off x="1074316" y="1328337"/>
             <a:ext cx="3341762" cy="4820194"/>
+          </a:xfrm>
+          <a:prstGeom prst="rect">
+            <a:avLst/>
+          </a:prstGeom>
+          <a:noFill/>
+          <a:extLst>
+            <a:ext uri="{909E8E84-426E-40DD-AFC4-6F175D3DCCD1}">
+              <a14:hiddenFill xmlns:a14="http://schemas.microsoft.com/office/drawing/2010/main">
+                <a:solidFill>
+                  <a:srgbClr val="FFFFFF"/>
+                </a:solidFill>
+              </a14:hiddenFill>
+            </a:ext>
+          </a:extLst>
+        </p:spPr>
+      </p:pic>
+      <p:sp>
+        <p:nvSpPr>
+          <p:cNvPr id="22" name="Rectángulo 21"/>
+          <p:cNvSpPr/>
+          <p:nvPr/>
+        </p:nvSpPr>
+        <p:spPr>
+          <a:xfrm>
+            <a:off x="0" y="6249988"/>
+            <a:ext cx="12192000" cy="471487"/>
+          </a:xfrm>
+          <a:prstGeom prst="rect">
+            <a:avLst/>
+          </a:prstGeom>
+          <a:solidFill>
+            <a:schemeClr val="accent3">
+              <a:lumMod val="50000"/>
+            </a:schemeClr>
+          </a:solidFill>
+        </p:spPr>
+        <p:style>
+          <a:lnRef idx="2">
+            <a:schemeClr val="accent1">
+              <a:shade val="50000"/>
+            </a:schemeClr>
+          </a:lnRef>
+          <a:fillRef idx="1">
+            <a:schemeClr val="accent1"/>
+          </a:fillRef>
+          <a:effectRef idx="0">
+            <a:schemeClr val="accent1"/>
+          </a:effectRef>
+          <a:fontRef idx="minor">
+            <a:schemeClr val="lt1"/>
+          </a:fontRef>
+        </p:style>
+        <p:txBody>
+          <a:bodyPr rtlCol="0" anchor="ctr"/>
+          <a:lstStyle/>
+          <a:p>
+            <a:pPr algn="ctr"/>
+            <a:endParaRPr lang="es-CO">
+              <a:solidFill>
+                <a:schemeClr val="accent3">
+                  <a:lumMod val="50000"/>
+                </a:schemeClr>
+              </a:solidFill>
+            </a:endParaRPr>
+          </a:p>
+        </p:txBody>
+      </p:sp>
+      <p:sp>
+        <p:nvSpPr>
+          <p:cNvPr id="23" name="Marcador de pie de página 5"/>
+          <p:cNvSpPr>
+            <a:spLocks noGrp="1"/>
+          </p:cNvSpPr>
+          <p:nvPr>
+            <p:ph type="ftr" sz="quarter" idx="11"/>
+          </p:nvPr>
+        </p:nvSpPr>
+        <p:spPr>
+          <a:xfrm>
+            <a:off x="4038600" y="6356350"/>
+            <a:ext cx="4114800" cy="365125"/>
+          </a:xfrm>
+        </p:spPr>
+        <p:txBody>
+          <a:bodyPr/>
+          <a:lstStyle/>
+          <a:p>
+            <a:r>
+              <a:rPr lang="es-CO" b="1" dirty="0" smtClean="0">
+                <a:solidFill>
+                  <a:schemeClr val="bg1"/>
+                </a:solidFill>
+              </a:rPr>
+              <a:t>Simple AI </a:t>
+            </a:r>
+            <a:endParaRPr lang="es-CO" b="1" dirty="0">
+              <a:solidFill>
+                <a:schemeClr val="bg1"/>
+              </a:solidFill>
+            </a:endParaRPr>
+          </a:p>
+        </p:txBody>
+      </p:sp>
+      <p:sp>
+        <p:nvSpPr>
+          <p:cNvPr id="24" name="Marcador de número de diapositiva 6"/>
+          <p:cNvSpPr>
+            <a:spLocks noGrp="1"/>
+          </p:cNvSpPr>
+          <p:nvPr>
+            <p:ph type="sldNum" sz="quarter" idx="12"/>
+          </p:nvPr>
+        </p:nvSpPr>
+        <p:spPr>
+          <a:xfrm>
+            <a:off x="8610600" y="6356350"/>
+            <a:ext cx="2743200" cy="365125"/>
+          </a:xfrm>
+        </p:spPr>
+        <p:txBody>
+          <a:bodyPr/>
+          <a:lstStyle/>
+          <a:p>
+            <a:r>
+              <a:rPr lang="es-CO" b="1" dirty="0">
+                <a:solidFill>
+                  <a:schemeClr val="bg1"/>
+                </a:solidFill>
+              </a:rPr>
+              <a:t>3</a:t>
+            </a:r>
+            <a:endParaRPr lang="es-CO" b="1" dirty="0">
+              <a:solidFill>
+                <a:schemeClr val="bg1"/>
+              </a:solidFill>
+            </a:endParaRPr>
+          </a:p>
+        </p:txBody>
+      </p:sp>
+      <p:pic>
+        <p:nvPicPr>
+          <p:cNvPr id="25" name="Picture 10" descr="Resultado de imagen para universidad de los andes logo"/>
+          <p:cNvPicPr>
+            <a:picLocks noChangeAspect="1" noChangeArrowheads="1"/>
+          </p:cNvPicPr>
+          <p:nvPr/>
+        </p:nvPicPr>
+        <p:blipFill rotWithShape="1">
+          <a:blip r:embed="rId5">
+            <a:biLevel thresh="25000"/>
+            <a:extLst>
+              <a:ext uri="{28A0092B-C50C-407E-A947-70E740481C1C}">
+                <a14:useLocalDpi xmlns:a14="http://schemas.microsoft.com/office/drawing/2010/main" val="0"/>
+              </a:ext>
+            </a:extLst>
+          </a:blip>
+          <a:srcRect t="50095" b="10511"/>
+          <a:stretch/>
+        </p:blipFill>
+        <p:spPr bwMode="auto">
+          <a:xfrm>
+            <a:off x="419100" y="6303696"/>
+            <a:ext cx="1193711" cy="364069"/>
           </a:xfrm>
           <a:prstGeom prst="rect">
             <a:avLst/>
@@ -9033,119 +9411,6 @@
       </p:grpSpPr>
       <p:sp>
         <p:nvSpPr>
-          <p:cNvPr id="4" name="Rectángulo 3"/>
-          <p:cNvSpPr/>
-          <p:nvPr/>
-        </p:nvSpPr>
-        <p:spPr>
-          <a:xfrm>
-            <a:off x="0" y="6249988"/>
-            <a:ext cx="12192000" cy="471487"/>
-          </a:xfrm>
-          <a:prstGeom prst="rect">
-            <a:avLst/>
-          </a:prstGeom>
-          <a:solidFill>
-            <a:schemeClr val="accent3">
-              <a:lumMod val="50000"/>
-            </a:schemeClr>
-          </a:solidFill>
-        </p:spPr>
-        <p:style>
-          <a:lnRef idx="2">
-            <a:schemeClr val="accent1">
-              <a:shade val="50000"/>
-            </a:schemeClr>
-          </a:lnRef>
-          <a:fillRef idx="1">
-            <a:schemeClr val="accent1"/>
-          </a:fillRef>
-          <a:effectRef idx="0">
-            <a:schemeClr val="accent1"/>
-          </a:effectRef>
-          <a:fontRef idx="minor">
-            <a:schemeClr val="lt1"/>
-          </a:fontRef>
-        </p:style>
-        <p:txBody>
-          <a:bodyPr rtlCol="0" anchor="ctr"/>
-          <a:lstStyle/>
-          <a:p>
-            <a:pPr algn="ctr"/>
-            <a:endParaRPr lang="es-CO">
-              <a:solidFill>
-                <a:schemeClr val="accent3">
-                  <a:lumMod val="50000"/>
-                </a:schemeClr>
-              </a:solidFill>
-            </a:endParaRPr>
-          </a:p>
-        </p:txBody>
-      </p:sp>
-      <p:sp>
-        <p:nvSpPr>
-          <p:cNvPr id="6" name="Marcador de pie de página 5"/>
-          <p:cNvSpPr>
-            <a:spLocks noGrp="1"/>
-          </p:cNvSpPr>
-          <p:nvPr>
-            <p:ph type="ftr" sz="quarter" idx="11"/>
-          </p:nvPr>
-        </p:nvSpPr>
-        <p:spPr/>
-        <p:txBody>
-          <a:bodyPr/>
-          <a:lstStyle/>
-          <a:p>
-            <a:r>
-              <a:rPr lang="es-CO" b="1" dirty="0" smtClean="0">
-                <a:solidFill>
-                  <a:schemeClr val="tx1"/>
-                </a:solidFill>
-              </a:rPr>
-              <a:t>Simple AI </a:t>
-            </a:r>
-            <a:endParaRPr lang="es-CO" b="1" dirty="0">
-              <a:solidFill>
-                <a:schemeClr val="tx1"/>
-              </a:solidFill>
-            </a:endParaRPr>
-          </a:p>
-        </p:txBody>
-      </p:sp>
-      <p:sp>
-        <p:nvSpPr>
-          <p:cNvPr id="7" name="Marcador de número de diapositiva 6"/>
-          <p:cNvSpPr>
-            <a:spLocks noGrp="1"/>
-          </p:cNvSpPr>
-          <p:nvPr>
-            <p:ph type="sldNum" sz="quarter" idx="12"/>
-          </p:nvPr>
-        </p:nvSpPr>
-        <p:spPr/>
-        <p:txBody>
-          <a:bodyPr/>
-          <a:lstStyle/>
-          <a:p>
-            <a:fld id="{6498F071-8424-4781-A5AA-387FBEE54CF5}" type="slidenum">
-              <a:rPr lang="es-CO" b="1" smtClean="0">
-                <a:solidFill>
-                  <a:schemeClr val="tx1"/>
-                </a:solidFill>
-              </a:rPr>
-              <a:t>4</a:t>
-            </a:fld>
-            <a:endParaRPr lang="es-CO" b="1">
-              <a:solidFill>
-                <a:schemeClr val="tx1"/>
-              </a:solidFill>
-            </a:endParaRPr>
-          </a:p>
-        </p:txBody>
-      </p:sp>
-      <p:sp>
-        <p:nvSpPr>
           <p:cNvPr id="10" name="Flecha derecha 9"/>
           <p:cNvSpPr/>
           <p:nvPr/>
@@ -9189,46 +9454,6 @@
           </a:p>
         </p:txBody>
       </p:sp>
-      <p:pic>
-        <p:nvPicPr>
-          <p:cNvPr id="1034" name="Picture 10" descr="Resultado de imagen para universidad de los andes logo"/>
-          <p:cNvPicPr>
-            <a:picLocks noChangeAspect="1" noChangeArrowheads="1"/>
-          </p:cNvPicPr>
-          <p:nvPr/>
-        </p:nvPicPr>
-        <p:blipFill rotWithShape="1">
-          <a:blip r:embed="rId3">
-            <a:biLevel thresh="50000"/>
-            <a:extLst>
-              <a:ext uri="{28A0092B-C50C-407E-A947-70E740481C1C}">
-                <a14:useLocalDpi xmlns:a14="http://schemas.microsoft.com/office/drawing/2010/main" val="0"/>
-              </a:ext>
-            </a:extLst>
-          </a:blip>
-          <a:srcRect t="50095" b="10511"/>
-          <a:stretch/>
-        </p:blipFill>
-        <p:spPr bwMode="auto">
-          <a:xfrm>
-            <a:off x="419100" y="6303696"/>
-            <a:ext cx="1193711" cy="364069"/>
-          </a:xfrm>
-          <a:prstGeom prst="rect">
-            <a:avLst/>
-          </a:prstGeom>
-          <a:noFill/>
-          <a:extLst>
-            <a:ext uri="{909E8E84-426E-40DD-AFC4-6F175D3DCCD1}">
-              <a14:hiddenFill xmlns:a14="http://schemas.microsoft.com/office/drawing/2010/main">
-                <a:solidFill>
-                  <a:srgbClr val="FFFFFF"/>
-                </a:solidFill>
-              </a14:hiddenFill>
-            </a:ext>
-          </a:extLst>
-        </p:spPr>
-      </p:pic>
       <p:sp>
         <p:nvSpPr>
           <p:cNvPr id="2" name="Título 1"/>
@@ -9509,7 +9734,7 @@
         </p:xfrm>
         <a:graphic>
           <a:graphicData uri="http://schemas.openxmlformats.org/drawingml/2006/chart">
-            <c:chart xmlns:c="http://schemas.openxmlformats.org/drawingml/2006/chart" xmlns:r="http://schemas.openxmlformats.org/officeDocument/2006/relationships" r:id="rId4"/>
+            <c:chart xmlns:c="http://schemas.openxmlformats.org/drawingml/2006/chart" xmlns:r="http://schemas.openxmlformats.org/officeDocument/2006/relationships" r:id="rId3"/>
           </a:graphicData>
         </a:graphic>
       </p:graphicFrame>
@@ -9533,7 +9758,7 @@
         </p:xfrm>
         <a:graphic>
           <a:graphicData uri="http://schemas.openxmlformats.org/drawingml/2006/chart">
-            <c:chart xmlns:c="http://schemas.openxmlformats.org/drawingml/2006/chart" xmlns:r="http://schemas.openxmlformats.org/officeDocument/2006/relationships" r:id="rId5"/>
+            <c:chart xmlns:c="http://schemas.openxmlformats.org/drawingml/2006/chart" xmlns:r="http://schemas.openxmlformats.org/officeDocument/2006/relationships" r:id="rId4"/>
           </a:graphicData>
         </a:graphic>
       </p:graphicFrame>
@@ -9546,7 +9771,7 @@
           <p:nvPr/>
         </p:nvPicPr>
         <p:blipFill>
-          <a:blip r:embed="rId6">
+          <a:blip r:embed="rId5">
             <a:extLst>
               <a:ext uri="{28A0092B-C50C-407E-A947-70E740481C1C}">
                 <a14:useLocalDpi xmlns:a14="http://schemas.microsoft.com/office/drawing/2010/main" val="0"/>
@@ -9562,6 +9787,169 @@
           <a:xfrm>
             <a:off x="8153400" y="119526"/>
             <a:ext cx="3132408" cy="5972126"/>
+          </a:xfrm>
+          <a:prstGeom prst="rect">
+            <a:avLst/>
+          </a:prstGeom>
+          <a:noFill/>
+          <a:extLst>
+            <a:ext uri="{909E8E84-426E-40DD-AFC4-6F175D3DCCD1}">
+              <a14:hiddenFill xmlns:a14="http://schemas.microsoft.com/office/drawing/2010/main">
+                <a:solidFill>
+                  <a:srgbClr val="FFFFFF"/>
+                </a:solidFill>
+              </a14:hiddenFill>
+            </a:ext>
+          </a:extLst>
+        </p:spPr>
+      </p:pic>
+      <p:sp>
+        <p:nvSpPr>
+          <p:cNvPr id="18" name="Rectángulo 17"/>
+          <p:cNvSpPr/>
+          <p:nvPr/>
+        </p:nvSpPr>
+        <p:spPr>
+          <a:xfrm>
+            <a:off x="0" y="6249988"/>
+            <a:ext cx="12192000" cy="471487"/>
+          </a:xfrm>
+          <a:prstGeom prst="rect">
+            <a:avLst/>
+          </a:prstGeom>
+          <a:solidFill>
+            <a:schemeClr val="accent3">
+              <a:lumMod val="50000"/>
+            </a:schemeClr>
+          </a:solidFill>
+        </p:spPr>
+        <p:style>
+          <a:lnRef idx="2">
+            <a:schemeClr val="accent1">
+              <a:shade val="50000"/>
+            </a:schemeClr>
+          </a:lnRef>
+          <a:fillRef idx="1">
+            <a:schemeClr val="accent1"/>
+          </a:fillRef>
+          <a:effectRef idx="0">
+            <a:schemeClr val="accent1"/>
+          </a:effectRef>
+          <a:fontRef idx="minor">
+            <a:schemeClr val="lt1"/>
+          </a:fontRef>
+        </p:style>
+        <p:txBody>
+          <a:bodyPr rtlCol="0" anchor="ctr"/>
+          <a:lstStyle/>
+          <a:p>
+            <a:pPr algn="ctr"/>
+            <a:endParaRPr lang="es-CO">
+              <a:solidFill>
+                <a:schemeClr val="accent3">
+                  <a:lumMod val="50000"/>
+                </a:schemeClr>
+              </a:solidFill>
+            </a:endParaRPr>
+          </a:p>
+        </p:txBody>
+      </p:sp>
+      <p:sp>
+        <p:nvSpPr>
+          <p:cNvPr id="19" name="Marcador de pie de página 5"/>
+          <p:cNvSpPr>
+            <a:spLocks noGrp="1"/>
+          </p:cNvSpPr>
+          <p:nvPr>
+            <p:ph type="ftr" sz="quarter" idx="11"/>
+          </p:nvPr>
+        </p:nvSpPr>
+        <p:spPr>
+          <a:xfrm>
+            <a:off x="4038600" y="6356350"/>
+            <a:ext cx="4114800" cy="365125"/>
+          </a:xfrm>
+        </p:spPr>
+        <p:txBody>
+          <a:bodyPr/>
+          <a:lstStyle/>
+          <a:p>
+            <a:r>
+              <a:rPr lang="es-CO" b="1" dirty="0" smtClean="0">
+                <a:solidFill>
+                  <a:schemeClr val="bg1"/>
+                </a:solidFill>
+              </a:rPr>
+              <a:t>Simple AI </a:t>
+            </a:r>
+            <a:endParaRPr lang="es-CO" b="1" dirty="0">
+              <a:solidFill>
+                <a:schemeClr val="bg1"/>
+              </a:solidFill>
+            </a:endParaRPr>
+          </a:p>
+        </p:txBody>
+      </p:sp>
+      <p:sp>
+        <p:nvSpPr>
+          <p:cNvPr id="20" name="Marcador de número de diapositiva 6"/>
+          <p:cNvSpPr>
+            <a:spLocks noGrp="1"/>
+          </p:cNvSpPr>
+          <p:nvPr>
+            <p:ph type="sldNum" sz="quarter" idx="12"/>
+          </p:nvPr>
+        </p:nvSpPr>
+        <p:spPr>
+          <a:xfrm>
+            <a:off x="8610600" y="6356350"/>
+            <a:ext cx="2743200" cy="365125"/>
+          </a:xfrm>
+        </p:spPr>
+        <p:txBody>
+          <a:bodyPr/>
+          <a:lstStyle/>
+          <a:p>
+            <a:r>
+              <a:rPr lang="es-CO" b="1" dirty="0">
+                <a:solidFill>
+                  <a:schemeClr val="bg1"/>
+                </a:solidFill>
+              </a:rPr>
+              <a:t>4</a:t>
+            </a:r>
+            <a:endParaRPr lang="es-CO" b="1" dirty="0">
+              <a:solidFill>
+                <a:schemeClr val="bg1"/>
+              </a:solidFill>
+            </a:endParaRPr>
+          </a:p>
+        </p:txBody>
+      </p:sp>
+      <p:pic>
+        <p:nvPicPr>
+          <p:cNvPr id="21" name="Picture 10" descr="Resultado de imagen para universidad de los andes logo"/>
+          <p:cNvPicPr>
+            <a:picLocks noChangeAspect="1" noChangeArrowheads="1"/>
+          </p:cNvPicPr>
+          <p:nvPr/>
+        </p:nvPicPr>
+        <p:blipFill rotWithShape="1">
+          <a:blip r:embed="rId6">
+            <a:biLevel thresh="25000"/>
+            <a:extLst>
+              <a:ext uri="{28A0092B-C50C-407E-A947-70E740481C1C}">
+                <a14:useLocalDpi xmlns:a14="http://schemas.microsoft.com/office/drawing/2010/main" val="0"/>
+              </a:ext>
+            </a:extLst>
+          </a:blip>
+          <a:srcRect t="50095" b="10511"/>
+          <a:stretch/>
+        </p:blipFill>
+        <p:spPr bwMode="auto">
+          <a:xfrm>
+            <a:off x="419100" y="6303696"/>
+            <a:ext cx="1193711" cy="364069"/>
           </a:xfrm>
           <a:prstGeom prst="rect">
             <a:avLst/>

--- a/Presentation/Simple AI-Pro.pptx
+++ b/Presentation/Simple AI-Pro.pptx
@@ -250,11 +250,11 @@
           <c:showBubbleSize val="0"/>
         </c:dLbls>
         <c:gapWidth val="182"/>
-        <c:axId val="309019176"/>
-        <c:axId val="309022312"/>
+        <c:axId val="303202696"/>
+        <c:axId val="303205440"/>
       </c:barChart>
       <c:catAx>
-        <c:axId val="309019176"/>
+        <c:axId val="303202696"/>
         <c:scaling>
           <c:orientation val="minMax"/>
         </c:scaling>
@@ -297,7 +297,7 @@
             <a:endParaRPr lang="es-CO"/>
           </a:p>
         </c:txPr>
-        <c:crossAx val="309022312"/>
+        <c:crossAx val="303205440"/>
         <c:crosses val="autoZero"/>
         <c:auto val="1"/>
         <c:lblAlgn val="ctr"/>
@@ -305,7 +305,7 @@
         <c:noMultiLvlLbl val="0"/>
       </c:catAx>
       <c:valAx>
-        <c:axId val="309022312"/>
+        <c:axId val="303205440"/>
         <c:scaling>
           <c:orientation val="minMax"/>
         </c:scaling>
@@ -356,7 +356,7 @@
             <a:endParaRPr lang="es-CO"/>
           </a:p>
         </c:txPr>
-        <c:crossAx val="309019176"/>
+        <c:crossAx val="303202696"/>
         <c:crosses val="autoZero"/>
         <c:crossBetween val="between"/>
       </c:valAx>
@@ -443,6 +443,65 @@
             <a:effectLst/>
           </c:spPr>
           <c:invertIfNegative val="0"/>
+          <c:dLbls>
+            <c:spPr>
+              <a:noFill/>
+              <a:ln>
+                <a:noFill/>
+              </a:ln>
+              <a:effectLst/>
+            </c:spPr>
+            <c:txPr>
+              <a:bodyPr rot="0" spcFirstLastPara="1" vertOverflow="ellipsis" vert="horz" wrap="square" lIns="38100" tIns="19050" rIns="38100" bIns="19050" anchor="ctr" anchorCtr="1">
+                <a:spAutoFit/>
+              </a:bodyPr>
+              <a:lstStyle/>
+              <a:p>
+                <a:pPr>
+                  <a:defRPr sz="900" b="0" i="0" u="none" strike="noStrike" kern="1200" baseline="0">
+                    <a:solidFill>
+                      <a:schemeClr val="tx1">
+                        <a:lumMod val="75000"/>
+                        <a:lumOff val="25000"/>
+                      </a:schemeClr>
+                    </a:solidFill>
+                    <a:latin typeface="+mn-lt"/>
+                    <a:ea typeface="+mn-ea"/>
+                    <a:cs typeface="+mn-cs"/>
+                  </a:defRPr>
+                </a:pPr>
+                <a:endParaRPr lang="es-CO"/>
+              </a:p>
+            </c:txPr>
+            <c:dLblPos val="outEnd"/>
+            <c:showLegendKey val="0"/>
+            <c:showVal val="1"/>
+            <c:showCatName val="0"/>
+            <c:showSerName val="0"/>
+            <c:showPercent val="0"/>
+            <c:showBubbleSize val="0"/>
+            <c:showLeaderLines val="0"/>
+            <c:extLst>
+              <c:ext xmlns:c15="http://schemas.microsoft.com/office/drawing/2012/chart" uri="{CE6537A1-D6FC-4f65-9D91-7224C49458BB}">
+                <c15:layout/>
+                <c15:showLeaderLines val="1"/>
+                <c15:leaderLines>
+                  <c:spPr>
+                    <a:ln w="9525" cap="flat" cmpd="sng" algn="ctr">
+                      <a:solidFill>
+                        <a:schemeClr val="tx1">
+                          <a:lumMod val="35000"/>
+                          <a:lumOff val="65000"/>
+                        </a:schemeClr>
+                      </a:solidFill>
+                      <a:round/>
+                    </a:ln>
+                    <a:effectLst/>
+                  </c:spPr>
+                </c15:leaderLines>
+              </c:ext>
+            </c:extLst>
+          </c:dLbls>
           <c:cat>
             <c:strRef>
               <c:f>Hoja1!$D$7:$D$9</c:f>
@@ -492,6 +551,65 @@
             <a:effectLst/>
           </c:spPr>
           <c:invertIfNegative val="0"/>
+          <c:dLbls>
+            <c:spPr>
+              <a:noFill/>
+              <a:ln>
+                <a:noFill/>
+              </a:ln>
+              <a:effectLst/>
+            </c:spPr>
+            <c:txPr>
+              <a:bodyPr rot="0" spcFirstLastPara="1" vertOverflow="ellipsis" vert="horz" wrap="square" lIns="38100" tIns="19050" rIns="38100" bIns="19050" anchor="ctr" anchorCtr="1">
+                <a:spAutoFit/>
+              </a:bodyPr>
+              <a:lstStyle/>
+              <a:p>
+                <a:pPr>
+                  <a:defRPr sz="900" b="0" i="0" u="none" strike="noStrike" kern="1200" baseline="0">
+                    <a:solidFill>
+                      <a:schemeClr val="tx1">
+                        <a:lumMod val="75000"/>
+                        <a:lumOff val="25000"/>
+                      </a:schemeClr>
+                    </a:solidFill>
+                    <a:latin typeface="+mn-lt"/>
+                    <a:ea typeface="+mn-ea"/>
+                    <a:cs typeface="+mn-cs"/>
+                  </a:defRPr>
+                </a:pPr>
+                <a:endParaRPr lang="es-CO"/>
+              </a:p>
+            </c:txPr>
+            <c:dLblPos val="outEnd"/>
+            <c:showLegendKey val="0"/>
+            <c:showVal val="1"/>
+            <c:showCatName val="0"/>
+            <c:showSerName val="0"/>
+            <c:showPercent val="0"/>
+            <c:showBubbleSize val="0"/>
+            <c:showLeaderLines val="0"/>
+            <c:extLst>
+              <c:ext xmlns:c15="http://schemas.microsoft.com/office/drawing/2012/chart" uri="{CE6537A1-D6FC-4f65-9D91-7224C49458BB}">
+                <c15:layout/>
+                <c15:showLeaderLines val="1"/>
+                <c15:leaderLines>
+                  <c:spPr>
+                    <a:ln w="9525" cap="flat" cmpd="sng" algn="ctr">
+                      <a:solidFill>
+                        <a:schemeClr val="tx1">
+                          <a:lumMod val="35000"/>
+                          <a:lumOff val="65000"/>
+                        </a:schemeClr>
+                      </a:solidFill>
+                      <a:round/>
+                    </a:ln>
+                    <a:effectLst/>
+                  </c:spPr>
+                </c15:leaderLines>
+              </c:ext>
+            </c:extLst>
+          </c:dLbls>
           <c:cat>
             <c:strRef>
               <c:f>Hoja1!$D$7:$D$9</c:f>
@@ -516,7 +634,7 @@
                 <c:formatCode>General</c:formatCode>
                 <c:ptCount val="3"/>
                 <c:pt idx="0">
-                  <c:v>0.879</c:v>
+                  <c:v>0.88329999999999997</c:v>
                 </c:pt>
                 <c:pt idx="1">
                   <c:v>0.79</c:v>
@@ -529,19 +647,20 @@
           </c:val>
         </c:ser>
         <c:dLbls>
+          <c:dLblPos val="outEnd"/>
           <c:showLegendKey val="0"/>
-          <c:showVal val="0"/>
+          <c:showVal val="1"/>
           <c:showCatName val="0"/>
           <c:showSerName val="0"/>
           <c:showPercent val="0"/>
           <c:showBubbleSize val="0"/>
         </c:dLbls>
         <c:gapWidth val="182"/>
-        <c:axId val="309021136"/>
-        <c:axId val="309016432"/>
+        <c:axId val="391112864"/>
+        <c:axId val="391105024"/>
       </c:barChart>
       <c:catAx>
-        <c:axId val="309021136"/>
+        <c:axId val="391112864"/>
         <c:scaling>
           <c:orientation val="minMax"/>
         </c:scaling>
@@ -569,7 +688,7 @@
           <a:lstStyle/>
           <a:p>
             <a:pPr>
-              <a:defRPr sz="1050" b="1" i="0" u="none" strike="noStrike" kern="1200" baseline="0">
+              <a:defRPr sz="900" b="0" i="0" u="none" strike="noStrike" kern="1200" baseline="0">
                 <a:solidFill>
                   <a:schemeClr val="tx1">
                     <a:lumMod val="65000"/>
@@ -584,7 +703,7 @@
             <a:endParaRPr lang="es-CO"/>
           </a:p>
         </c:txPr>
-        <c:crossAx val="309016432"/>
+        <c:crossAx val="391105024"/>
         <c:crosses val="autoZero"/>
         <c:auto val="1"/>
         <c:lblAlgn val="ctr"/>
@@ -592,7 +711,7 @@
         <c:noMultiLvlLbl val="0"/>
       </c:catAx>
       <c:valAx>
-        <c:axId val="309016432"/>
+        <c:axId val="391105024"/>
         <c:scaling>
           <c:orientation val="minMax"/>
         </c:scaling>
@@ -612,6 +731,63 @@
             <a:effectLst/>
           </c:spPr>
         </c:majorGridlines>
+        <c:title>
+          <c:tx>
+            <c:rich>
+              <a:bodyPr rot="0" spcFirstLastPara="1" vertOverflow="ellipsis" vert="horz" wrap="square" anchor="ctr" anchorCtr="1"/>
+              <a:lstStyle/>
+              <a:p>
+                <a:pPr>
+                  <a:defRPr sz="1000" b="0" i="0" u="none" strike="noStrike" kern="1200" baseline="0">
+                    <a:solidFill>
+                      <a:schemeClr val="tx1">
+                        <a:lumMod val="65000"/>
+                        <a:lumOff val="35000"/>
+                      </a:schemeClr>
+                    </a:solidFill>
+                    <a:latin typeface="+mn-lt"/>
+                    <a:ea typeface="+mn-ea"/>
+                    <a:cs typeface="+mn-cs"/>
+                  </a:defRPr>
+                </a:pPr>
+                <a:r>
+                  <a:rPr lang="es-CO" dirty="0" smtClean="0"/>
+                  <a:t>AUC</a:t>
+                </a:r>
+                <a:endParaRPr lang="es-CO" dirty="0"/>
+              </a:p>
+            </c:rich>
+          </c:tx>
+          <c:layout/>
+          <c:overlay val="0"/>
+          <c:spPr>
+            <a:noFill/>
+            <a:ln>
+              <a:noFill/>
+            </a:ln>
+            <a:effectLst/>
+          </c:spPr>
+          <c:txPr>
+            <a:bodyPr rot="0" spcFirstLastPara="1" vertOverflow="ellipsis" vert="horz" wrap="square" anchor="ctr" anchorCtr="1"/>
+            <a:lstStyle/>
+            <a:p>
+              <a:pPr>
+                <a:defRPr sz="1000" b="0" i="0" u="none" strike="noStrike" kern="1200" baseline="0">
+                  <a:solidFill>
+                    <a:schemeClr val="tx1">
+                      <a:lumMod val="65000"/>
+                      <a:lumOff val="35000"/>
+                    </a:schemeClr>
+                  </a:solidFill>
+                  <a:latin typeface="+mn-lt"/>
+                  <a:ea typeface="+mn-ea"/>
+                  <a:cs typeface="+mn-cs"/>
+                </a:defRPr>
+              </a:pPr>
+              <a:endParaRPr lang="es-CO"/>
+            </a:p>
+          </c:txPr>
+        </c:title>
         <c:numFmt formatCode="General" sourceLinked="1"/>
         <c:majorTickMark val="none"/>
         <c:minorTickMark val="none"/>
@@ -643,7 +819,7 @@
             <a:endParaRPr lang="es-CO"/>
           </a:p>
         </c:txPr>
-        <c:crossAx val="309021136"/>
+        <c:crossAx val="391112864"/>
         <c:crosses val="autoZero"/>
         <c:crossBetween val="between"/>
       </c:valAx>
@@ -679,6 +855,7 @@
   <c:externalData r:id="rId3">
     <c:autoUpdate val="0"/>
   </c:externalData>
+  <c:userShapes r:id="rId4"/>
 </c:chartSpace>
 </file>
 
@@ -769,7 +946,6 @@
             <c:showLeaderLines val="0"/>
             <c:extLst>
               <c:ext xmlns:c15="http://schemas.microsoft.com/office/drawing/2012/chart" uri="{CE6537A1-D6FC-4f65-9D91-7224C49458BB}">
-                <c15:layout/>
                 <c15:showLeaderLines val="1"/>
                 <c15:leaderLines>
                   <c:spPr>
@@ -865,7 +1041,6 @@
             <c:showLeaderLines val="0"/>
             <c:extLst>
               <c:ext xmlns:c15="http://schemas.microsoft.com/office/drawing/2012/chart" uri="{CE6537A1-D6FC-4f65-9D91-7224C49458BB}">
-                <c15:layout/>
                 <c15:showLeaderLines val="1"/>
                 <c15:leaderLines>
                   <c:spPr>
@@ -918,11 +1093,11 @@
           <c:showBubbleSize val="0"/>
         </c:dLbls>
         <c:gapWidth val="182"/>
-        <c:axId val="309019960"/>
-        <c:axId val="309020744"/>
+        <c:axId val="303207008"/>
+        <c:axId val="303201912"/>
       </c:barChart>
       <c:catAx>
-        <c:axId val="309019960"/>
+        <c:axId val="303207008"/>
         <c:scaling>
           <c:orientation val="minMax"/>
         </c:scaling>
@@ -965,7 +1140,7 @@
             <a:endParaRPr lang="es-CO"/>
           </a:p>
         </c:txPr>
-        <c:crossAx val="309020744"/>
+        <c:crossAx val="303201912"/>
         <c:crosses val="autoZero"/>
         <c:auto val="1"/>
         <c:lblAlgn val="ctr"/>
@@ -973,7 +1148,7 @@
         <c:noMultiLvlLbl val="0"/>
       </c:catAx>
       <c:valAx>
-        <c:axId val="309020744"/>
+        <c:axId val="303201912"/>
         <c:scaling>
           <c:orientation val="minMax"/>
         </c:scaling>
@@ -1087,7 +1262,7 @@
             <a:endParaRPr lang="es-CO"/>
           </a:p>
         </c:txPr>
-        <c:crossAx val="309019960"/>
+        <c:crossAx val="303207008"/>
         <c:crosses val="autoZero"/>
         <c:crossBetween val="between"/>
       </c:valAx>
@@ -1210,7 +1385,6 @@
             <c:showLeaderLines val="0"/>
             <c:extLst>
               <c:ext xmlns:c15="http://schemas.microsoft.com/office/drawing/2012/chart" uri="{CE6537A1-D6FC-4f65-9D91-7224C49458BB}">
-                <c15:layout/>
                 <c15:showLeaderLines val="1"/>
                 <c15:leaderLines>
                   <c:spPr>
@@ -1315,7 +1489,6 @@
             <c:showLeaderLines val="0"/>
             <c:extLst>
               <c:ext xmlns:c15="http://schemas.microsoft.com/office/drawing/2012/chart" uri="{CE6537A1-D6FC-4f65-9D91-7224C49458BB}">
-                <c15:layout/>
                 <c15:showLeaderLines val="1"/>
                 <c15:leaderLines>
                   <c:spPr>
@@ -1374,11 +1547,11 @@
           <c:showBubbleSize val="0"/>
         </c:dLbls>
         <c:gapWidth val="182"/>
-        <c:axId val="311203048"/>
-        <c:axId val="311205008"/>
+        <c:axId val="303207792"/>
+        <c:axId val="303208968"/>
       </c:barChart>
       <c:catAx>
-        <c:axId val="311203048"/>
+        <c:axId val="303207792"/>
         <c:scaling>
           <c:orientation val="minMax"/>
         </c:scaling>
@@ -1421,7 +1594,7 @@
             <a:endParaRPr lang="es-CO"/>
           </a:p>
         </c:txPr>
-        <c:crossAx val="311205008"/>
+        <c:crossAx val="303208968"/>
         <c:crosses val="autoZero"/>
         <c:auto val="1"/>
         <c:lblAlgn val="ctr"/>
@@ -1429,7 +1602,7 @@
         <c:noMultiLvlLbl val="0"/>
       </c:catAx>
       <c:valAx>
-        <c:axId val="311205008"/>
+        <c:axId val="303208968"/>
         <c:scaling>
           <c:orientation val="minMax"/>
         </c:scaling>
@@ -1475,7 +1648,6 @@
               </a:p>
             </c:rich>
           </c:tx>
-          <c:layout/>
           <c:overlay val="0"/>
           <c:spPr>
             <a:noFill/>
@@ -1536,7 +1708,7 @@
             <a:endParaRPr lang="es-CO"/>
           </a:p>
         </c:txPr>
-        <c:crossAx val="311203048"/>
+        <c:crossAx val="303207792"/>
         <c:crosses val="autoZero"/>
         <c:crossBetween val="between"/>
       </c:valAx>
@@ -3869,6 +4041,176 @@
       <cdr:spPr>
         <a:xfrm xmlns:a="http://schemas.openxmlformats.org/drawingml/2006/main">
           <a:off x="2048489" y="1893888"/>
+          <a:ext cx="771429" cy="200000"/>
+        </a:xfrm>
+        <a:prstGeom xmlns:a="http://schemas.openxmlformats.org/drawingml/2006/main" prst="rect">
+          <a:avLst/>
+        </a:prstGeom>
+      </cdr:spPr>
+    </cdr:pic>
+  </cdr:relSizeAnchor>
+</c:userShapes>
+</file>
+
+<file path=ppt/drawings/drawing2.xml><?xml version="1.0" encoding="utf-8"?>
+<c:userShapes xmlns:c="http://schemas.openxmlformats.org/drawingml/2006/chart">
+  <cdr:relSizeAnchor xmlns:cdr="http://schemas.openxmlformats.org/drawingml/2006/chartDrawing">
+    <cdr:from>
+      <cdr:x>0.68545</cdr:x>
+      <cdr:y>0.20299</cdr:y>
+    </cdr:from>
+    <cdr:to>
+      <cdr:x>0.8179</cdr:x>
+      <cdr:y>0.25734</cdr:y>
+    </cdr:to>
+    <cdr:pic>
+      <cdr:nvPicPr>
+        <cdr:cNvPr id="2" name="chart"/>
+        <cdr:cNvPicPr>
+          <a:picLocks xmlns:a="http://schemas.openxmlformats.org/drawingml/2006/main" noChangeAspect="1"/>
+        </cdr:cNvPicPr>
+      </cdr:nvPicPr>
+      <cdr:blipFill>
+        <a:blip xmlns:a="http://schemas.openxmlformats.org/drawingml/2006/main" xmlns:r="http://schemas.openxmlformats.org/officeDocument/2006/relationships" r:embed="rId1"/>
+        <a:stretch xmlns:a="http://schemas.openxmlformats.org/drawingml/2006/main">
+          <a:fillRect/>
+        </a:stretch>
+      </cdr:blipFill>
+      <cdr:spPr>
+        <a:xfrm xmlns:a="http://schemas.openxmlformats.org/drawingml/2006/main">
+          <a:off x="3992450" y="746975"/>
+          <a:ext cx="771429" cy="200000"/>
+        </a:xfrm>
+        <a:prstGeom xmlns:a="http://schemas.openxmlformats.org/drawingml/2006/main" prst="rect">
+          <a:avLst/>
+        </a:prstGeom>
+      </cdr:spPr>
+    </cdr:pic>
+  </cdr:relSizeAnchor>
+  <cdr:relSizeAnchor xmlns:cdr="http://schemas.openxmlformats.org/drawingml/2006/chartDrawing">
+    <cdr:from>
+      <cdr:x>0.71873</cdr:x>
+      <cdr:y>0.76951</cdr:y>
+    </cdr:from>
+    <cdr:to>
+      <cdr:x>0.85118</cdr:x>
+      <cdr:y>0.82386</cdr:y>
+    </cdr:to>
+    <cdr:pic>
+      <cdr:nvPicPr>
+        <cdr:cNvPr id="3" name="chart"/>
+        <cdr:cNvPicPr>
+          <a:picLocks xmlns:a="http://schemas.openxmlformats.org/drawingml/2006/main" noChangeAspect="1"/>
+        </cdr:cNvPicPr>
+      </cdr:nvPicPr>
+      <cdr:blipFill>
+        <a:blip xmlns:a="http://schemas.openxmlformats.org/drawingml/2006/main" xmlns:r="http://schemas.openxmlformats.org/officeDocument/2006/relationships" r:embed="rId1"/>
+        <a:stretch xmlns:a="http://schemas.openxmlformats.org/drawingml/2006/main">
+          <a:fillRect/>
+        </a:stretch>
+      </cdr:blipFill>
+      <cdr:spPr>
+        <a:xfrm xmlns:a="http://schemas.openxmlformats.org/drawingml/2006/main">
+          <a:off x="4186285" y="2831664"/>
+          <a:ext cx="771429" cy="200000"/>
+        </a:xfrm>
+        <a:prstGeom xmlns:a="http://schemas.openxmlformats.org/drawingml/2006/main" prst="rect">
+          <a:avLst/>
+        </a:prstGeom>
+      </cdr:spPr>
+    </cdr:pic>
+  </cdr:relSizeAnchor>
+  <cdr:relSizeAnchor xmlns:cdr="http://schemas.openxmlformats.org/drawingml/2006/chartDrawing">
+    <cdr:from>
+      <cdr:x>0.67649</cdr:x>
+      <cdr:y>0.48371</cdr:y>
+    </cdr:from>
+    <cdr:to>
+      <cdr:x>0.80893</cdr:x>
+      <cdr:y>0.53806</cdr:y>
+    </cdr:to>
+    <cdr:pic>
+      <cdr:nvPicPr>
+        <cdr:cNvPr id="4" name="chart"/>
+        <cdr:cNvPicPr>
+          <a:picLocks xmlns:a="http://schemas.openxmlformats.org/drawingml/2006/main" noChangeAspect="1"/>
+        </cdr:cNvPicPr>
+      </cdr:nvPicPr>
+      <cdr:blipFill>
+        <a:blip xmlns:a="http://schemas.openxmlformats.org/drawingml/2006/main" xmlns:r="http://schemas.openxmlformats.org/officeDocument/2006/relationships" r:embed="rId1"/>
+        <a:stretch xmlns:a="http://schemas.openxmlformats.org/drawingml/2006/main">
+          <a:fillRect/>
+        </a:stretch>
+      </cdr:blipFill>
+      <cdr:spPr>
+        <a:xfrm xmlns:a="http://schemas.openxmlformats.org/drawingml/2006/main">
+          <a:off x="3940219" y="1779979"/>
+          <a:ext cx="771429" cy="200000"/>
+        </a:xfrm>
+        <a:prstGeom xmlns:a="http://schemas.openxmlformats.org/drawingml/2006/main" prst="rect">
+          <a:avLst/>
+        </a:prstGeom>
+      </cdr:spPr>
+    </cdr:pic>
+  </cdr:relSizeAnchor>
+  <cdr:relSizeAnchor xmlns:cdr="http://schemas.openxmlformats.org/drawingml/2006/chartDrawing">
+    <cdr:from>
+      <cdr:x>0.84466</cdr:x>
+      <cdr:y>0.12371</cdr:y>
+    </cdr:from>
+    <cdr:to>
+      <cdr:x>0.9771</cdr:x>
+      <cdr:y>0.17806</cdr:y>
+    </cdr:to>
+    <cdr:pic>
+      <cdr:nvPicPr>
+        <cdr:cNvPr id="5" name="chart"/>
+        <cdr:cNvPicPr>
+          <a:picLocks xmlns:a="http://schemas.openxmlformats.org/drawingml/2006/main" noChangeAspect="1"/>
+        </cdr:cNvPicPr>
+      </cdr:nvPicPr>
+      <cdr:blipFill>
+        <a:blip xmlns:a="http://schemas.openxmlformats.org/drawingml/2006/main" xmlns:r="http://schemas.openxmlformats.org/officeDocument/2006/relationships" r:embed="rId2"/>
+        <a:stretch xmlns:a="http://schemas.openxmlformats.org/drawingml/2006/main">
+          <a:fillRect/>
+        </a:stretch>
+      </cdr:blipFill>
+      <cdr:spPr>
+        <a:xfrm xmlns:a="http://schemas.openxmlformats.org/drawingml/2006/main">
+          <a:off x="4919730" y="455246"/>
+          <a:ext cx="771429" cy="200000"/>
+        </a:xfrm>
+        <a:prstGeom xmlns:a="http://schemas.openxmlformats.org/drawingml/2006/main" prst="rect">
+          <a:avLst/>
+        </a:prstGeom>
+      </cdr:spPr>
+    </cdr:pic>
+  </cdr:relSizeAnchor>
+  <cdr:relSizeAnchor xmlns:cdr="http://schemas.openxmlformats.org/drawingml/2006/chartDrawing">
+    <cdr:from>
+      <cdr:x>0.86756</cdr:x>
+      <cdr:y>0.40351</cdr:y>
+    </cdr:from>
+    <cdr:to>
+      <cdr:x>1</cdr:x>
+      <cdr:y>0.45786</cdr:y>
+    </cdr:to>
+    <cdr:pic>
+      <cdr:nvPicPr>
+        <cdr:cNvPr id="7" name="chart"/>
+        <cdr:cNvPicPr>
+          <a:picLocks xmlns:a="http://schemas.openxmlformats.org/drawingml/2006/main" noChangeAspect="1"/>
+        </cdr:cNvPicPr>
+      </cdr:nvPicPr>
+      <cdr:blipFill>
+        <a:blip xmlns:a="http://schemas.openxmlformats.org/drawingml/2006/main" xmlns:r="http://schemas.openxmlformats.org/officeDocument/2006/relationships" r:embed="rId2"/>
+        <a:stretch xmlns:a="http://schemas.openxmlformats.org/drawingml/2006/main">
+          <a:fillRect/>
+        </a:stretch>
+      </cdr:blipFill>
+      <cdr:spPr>
+        <a:xfrm xmlns:a="http://schemas.openxmlformats.org/drawingml/2006/main">
+          <a:off x="5053109" y="1484840"/>
           <a:ext cx="771429" cy="200000"/>
         </a:xfrm>
         <a:prstGeom xmlns:a="http://schemas.openxmlformats.org/drawingml/2006/main" prst="rect">
@@ -7723,13 +8065,7 @@
               <a:rPr lang="es-CO" sz="2800" b="1" dirty="0" smtClean="0">
                 <a:latin typeface="Bell MT" panose="02020503060305020303" pitchFamily="18" charset="0"/>
               </a:rPr>
-              <a:t>Jesús </a:t>
-            </a:r>
-            <a:r>
-              <a:rPr lang="es-CO" sz="2800" b="1" dirty="0" smtClean="0">
-                <a:latin typeface="Bell MT" panose="02020503060305020303" pitchFamily="18" charset="0"/>
-              </a:rPr>
-              <a:t>Solano</a:t>
+              <a:t>Jesús Solano</a:t>
             </a:r>
           </a:p>
           <a:p>
@@ -8726,11 +9062,6 @@
               </a:rPr>
               <a:t>2</a:t>
             </a:r>
-            <a:endParaRPr lang="es-CO" b="1" dirty="0">
-              <a:solidFill>
-                <a:schemeClr val="bg1"/>
-              </a:solidFill>
-            </a:endParaRPr>
           </a:p>
         </p:txBody>
       </p:sp>
@@ -9071,30 +9402,6 @@
           </a:p>
         </p:txBody>
       </p:sp>
-      <p:graphicFrame>
-        <p:nvGraphicFramePr>
-          <p:cNvPr id="16" name="Gráfico 15"/>
-          <p:cNvGraphicFramePr>
-            <a:graphicFrameLocks/>
-          </p:cNvGraphicFramePr>
-          <p:nvPr>
-            <p:extLst>
-              <p:ext uri="{D42A27DB-BD31-4B8C-83A1-F6EECF244321}">
-                <p14:modId xmlns:p14="http://schemas.microsoft.com/office/powerpoint/2010/main" val="2307184433"/>
-              </p:ext>
-            </p:extLst>
-          </p:nvPr>
-        </p:nvGraphicFramePr>
-        <p:xfrm>
-          <a:off x="6115050" y="1964237"/>
-          <a:ext cx="5700712" cy="3574040"/>
-        </p:xfrm>
-        <a:graphic>
-          <a:graphicData uri="http://schemas.openxmlformats.org/drawingml/2006/chart">
-            <c:chart xmlns:c="http://schemas.openxmlformats.org/drawingml/2006/chart" xmlns:r="http://schemas.openxmlformats.org/officeDocument/2006/relationships" r:id="rId3"/>
-          </a:graphicData>
-        </a:graphic>
-      </p:graphicFrame>
       <p:sp>
         <p:nvSpPr>
           <p:cNvPr id="15" name="CuadroTexto 14"/>
@@ -9171,7 +9478,7 @@
           <p:nvPr/>
         </p:nvPicPr>
         <p:blipFill rotWithShape="1">
-          <a:blip r:embed="rId4">
+          <a:blip r:embed="rId3">
             <a:extLst>
               <a:ext uri="{28A0092B-C50C-407E-A947-70E740481C1C}">
                 <a14:useLocalDpi xmlns:a14="http://schemas.microsoft.com/office/drawing/2010/main" val="0"/>
@@ -9316,11 +9623,6 @@
               </a:rPr>
               <a:t>3</a:t>
             </a:r>
-            <a:endParaRPr lang="es-CO" b="1" dirty="0">
-              <a:solidFill>
-                <a:schemeClr val="bg1"/>
-              </a:solidFill>
-            </a:endParaRPr>
           </a:p>
         </p:txBody>
       </p:sp>
@@ -9333,7 +9635,7 @@
           <p:nvPr/>
         </p:nvPicPr>
         <p:blipFill rotWithShape="1">
-          <a:blip r:embed="rId5">
+          <a:blip r:embed="rId4">
             <a:biLevel thresh="25000"/>
             <a:extLst>
               <a:ext uri="{28A0092B-C50C-407E-A947-70E740481C1C}">
@@ -9364,6 +9666,30 @@
           </a:extLst>
         </p:spPr>
       </p:pic>
+      <p:graphicFrame>
+        <p:nvGraphicFramePr>
+          <p:cNvPr id="18" name="Gráfico 17"/>
+          <p:cNvGraphicFramePr>
+            <a:graphicFrameLocks/>
+          </p:cNvGraphicFramePr>
+          <p:nvPr>
+            <p:extLst>
+              <p:ext uri="{D42A27DB-BD31-4B8C-83A1-F6EECF244321}">
+                <p14:modId xmlns:p14="http://schemas.microsoft.com/office/powerpoint/2010/main" val="285768023"/>
+              </p:ext>
+            </p:extLst>
+          </p:nvPr>
+        </p:nvGraphicFramePr>
+        <p:xfrm>
+          <a:off x="6148387" y="1858455"/>
+          <a:ext cx="5824538" cy="3679821"/>
+        </p:xfrm>
+        <a:graphic>
+          <a:graphicData uri="http://schemas.openxmlformats.org/drawingml/2006/chart">
+            <c:chart xmlns:c="http://schemas.openxmlformats.org/drawingml/2006/chart" xmlns:r="http://schemas.openxmlformats.org/officeDocument/2006/relationships" r:id="rId5"/>
+          </a:graphicData>
+        </a:graphic>
+      </p:graphicFrame>
     </p:spTree>
     <p:extLst>
       <p:ext uri="{BB962C8B-B14F-4D97-AF65-F5344CB8AC3E}">
@@ -9918,11 +10244,6 @@
               </a:rPr>
               <a:t>4</a:t>
             </a:r>
-            <a:endParaRPr lang="es-CO" b="1" dirty="0">
-              <a:solidFill>
-                <a:schemeClr val="bg1"/>
-              </a:solidFill>
-            </a:endParaRPr>
           </a:p>
         </p:txBody>
       </p:sp>
